--- a/docs/ZenCore - раздаточный материал.pptx
+++ b/docs/ZenCore - раздаточный материал.pptx
@@ -2979,8 +2979,12 @@
         <a:lstStyle/>
         <a:p>
           <a:r>
-            <a:rPr lang="ru-RU" smtClean="0"/>
-            <a:t>Требуют промышленной системы  логирования</a:t>
+            <a:rPr lang="ru-RU" dirty="0" smtClean="0"/>
+            <a:t>Требуют промышленной системы  </a:t>
+          </a:r>
+          <a:r>
+            <a:rPr lang="ru-RU" dirty="0" err="1" smtClean="0"/>
+            <a:t>логирования</a:t>
           </a:r>
           <a:endParaRPr lang="ru-RU" dirty="0"/>
         </a:p>
@@ -2998,6 +3002,43 @@
       </dgm:t>
     </dgm:pt>
     <dgm:pt modelId="{92E54FF4-D8D5-4748-9AD4-C94D1818B422}" type="sibTrans" cxnId="{34A8A451-6AF5-4FE4-8636-69DF7ECB47DF}">
+      <dgm:prSet/>
+      <dgm:spPr/>
+      <dgm:t>
+        <a:bodyPr/>
+        <a:lstStyle/>
+        <a:p>
+          <a:endParaRPr lang="ru-RU"/>
+        </a:p>
+      </dgm:t>
+    </dgm:pt>
+    <dgm:pt modelId="{09AD304C-3561-41CA-981F-C75508C1794E}">
+      <dgm:prSet phldrT="[Текст]"/>
+      <dgm:spPr/>
+      <dgm:t>
+        <a:bodyPr/>
+        <a:lstStyle/>
+        <a:p>
+          <a:r>
+            <a:rPr lang="ru-RU" dirty="0" smtClean="0"/>
+            <a:t>Многопользовательские</a:t>
+          </a:r>
+          <a:endParaRPr lang="ru-RU" dirty="0"/>
+        </a:p>
+      </dgm:t>
+    </dgm:pt>
+    <dgm:pt modelId="{2FD52DFF-520B-4967-935E-C2538AB30C4A}" type="parTrans" cxnId="{D16C24D9-E59E-47F3-9462-F292182C6835}">
+      <dgm:prSet/>
+      <dgm:spPr/>
+      <dgm:t>
+        <a:bodyPr/>
+        <a:lstStyle/>
+        <a:p>
+          <a:endParaRPr lang="ru-RU"/>
+        </a:p>
+      </dgm:t>
+    </dgm:pt>
+    <dgm:pt modelId="{FF6E5C31-4389-48C8-AF59-C103C67B64DE}" type="sibTrans" cxnId="{D16C24D9-E59E-47F3-9462-F292182C6835}">
       <dgm:prSet/>
       <dgm:spPr/>
       <dgm:t>
@@ -3164,16 +3205,18 @@
     </dgm:pt>
   </dgm:ptLst>
   <dgm:cxnLst>
-    <dgm:cxn modelId="{34A8A451-6AF5-4FE4-8636-69DF7ECB47DF}" srcId="{48C21F09-3390-4DCC-B770-602113C8BCDC}" destId="{EC277980-883C-4326-BD8C-1F1E87F00E66}" srcOrd="3" destOrd="0" parTransId="{EA5D836D-9F7E-484C-8168-9072EFD8955C}" sibTransId="{92E54FF4-D8D5-4748-9AD4-C94D1818B422}"/>
+    <dgm:cxn modelId="{34A8A451-6AF5-4FE4-8636-69DF7ECB47DF}" srcId="{48C21F09-3390-4DCC-B770-602113C8BCDC}" destId="{EC277980-883C-4326-BD8C-1F1E87F00E66}" srcOrd="4" destOrd="0" parTransId="{EA5D836D-9F7E-484C-8168-9072EFD8955C}" sibTransId="{92E54FF4-D8D5-4748-9AD4-C94D1818B422}"/>
+    <dgm:cxn modelId="{D16C24D9-E59E-47F3-9462-F292182C6835}" srcId="{48C21F09-3390-4DCC-B770-602113C8BCDC}" destId="{09AD304C-3561-41CA-981F-C75508C1794E}" srcOrd="2" destOrd="0" parTransId="{2FD52DFF-520B-4967-935E-C2538AB30C4A}" sibTransId="{FF6E5C31-4389-48C8-AF59-C103C67B64DE}"/>
     <dgm:cxn modelId="{98A8DBE9-3E15-47BA-904A-130D9250E2CA}" type="presOf" srcId="{48C21F09-3390-4DCC-B770-602113C8BCDC}" destId="{532BC79A-AACB-403D-AF73-D1854E1487E5}" srcOrd="0" destOrd="0" presId="urn:diagrams.loki3.com/BracketList+Icon"/>
     <dgm:cxn modelId="{33054264-BFC7-4821-8524-2B28B465934B}" type="presOf" srcId="{A3ADABAA-7191-4BB9-A9CF-E5B4D14842CD}" destId="{8969EB44-CAC7-412C-B223-A0E6596DF9DC}" srcOrd="0" destOrd="1" presId="urn:diagrams.loki3.com/BracketList+Icon"/>
-    <dgm:cxn modelId="{D1724EB2-AB66-4BEB-A6D1-C6AD1DB0491D}" srcId="{48C21F09-3390-4DCC-B770-602113C8BCDC}" destId="{B533641D-9BB0-4B4C-A08A-C0DFA72DF28F}" srcOrd="2" destOrd="0" parTransId="{FE8B99F6-5FB1-413D-9AA0-FFFAD5120830}" sibTransId="{76953083-A742-4F6B-83D0-C3FCEDE25860}"/>
+    <dgm:cxn modelId="{D1724EB2-AB66-4BEB-A6D1-C6AD1DB0491D}" srcId="{48C21F09-3390-4DCC-B770-602113C8BCDC}" destId="{B533641D-9BB0-4B4C-A08A-C0DFA72DF28F}" srcOrd="3" destOrd="0" parTransId="{FE8B99F6-5FB1-413D-9AA0-FFFAD5120830}" sibTransId="{76953083-A742-4F6B-83D0-C3FCEDE25860}"/>
     <dgm:cxn modelId="{8736F022-7B3E-4706-96A6-F526242B31EC}" type="presOf" srcId="{2C29EE79-811F-4605-A96F-DA194D3E4B5B}" destId="{B8819CBC-7CF9-43F1-B712-BB623601F100}" srcOrd="0" destOrd="1" presId="urn:diagrams.loki3.com/BracketList+Icon"/>
     <dgm:cxn modelId="{BB82AF9A-E3EF-4A3C-9284-227035E65F2F}" type="presOf" srcId="{D0262701-8385-4BFC-9D92-11BE7C3583D8}" destId="{B0B9B83E-FC2E-41E7-8971-551BFE61DAC6}" srcOrd="0" destOrd="0" presId="urn:diagrams.loki3.com/BracketList+Icon"/>
     <dgm:cxn modelId="{D0547FDB-D7C0-48A7-8CAB-7195A65F288E}" type="presOf" srcId="{9BC0C7A8-D9AD-4C6C-9323-93AFD1314DF9}" destId="{B8819CBC-7CF9-43F1-B712-BB623601F100}" srcOrd="0" destOrd="0" presId="urn:diagrams.loki3.com/BracketList+Icon"/>
-    <dgm:cxn modelId="{6B6AC207-A695-443B-B056-CFFAF8422A82}" type="presOf" srcId="{B533641D-9BB0-4B4C-A08A-C0DFA72DF28F}" destId="{8969EB44-CAC7-412C-B223-A0E6596DF9DC}" srcOrd="0" destOrd="2" presId="urn:diagrams.loki3.com/BracketList+Icon"/>
+    <dgm:cxn modelId="{6B6AC207-A695-443B-B056-CFFAF8422A82}" type="presOf" srcId="{B533641D-9BB0-4B4C-A08A-C0DFA72DF28F}" destId="{8969EB44-CAC7-412C-B223-A0E6596DF9DC}" srcOrd="0" destOrd="3" presId="urn:diagrams.loki3.com/BracketList+Icon"/>
     <dgm:cxn modelId="{D71D0B44-0B72-481F-9556-0AA9E66FC3D0}" srcId="{E57694CA-5CC1-4A02-908C-8F69F31F739A}" destId="{364EAF83-3BDB-4F6C-A1CC-051BDF5B8319}" srcOrd="2" destOrd="0" parTransId="{BF6715D1-E697-42B0-87E8-23374D15B2F5}" sibTransId="{B61EA40C-06DC-4CE9-8E49-490423BD7162}"/>
-    <dgm:cxn modelId="{77FFA87E-2988-4868-B741-0DC70253EC16}" type="presOf" srcId="{EC277980-883C-4326-BD8C-1F1E87F00E66}" destId="{8969EB44-CAC7-412C-B223-A0E6596DF9DC}" srcOrd="0" destOrd="3" presId="urn:diagrams.loki3.com/BracketList+Icon"/>
+    <dgm:cxn modelId="{77FFA87E-2988-4868-B741-0DC70253EC16}" type="presOf" srcId="{EC277980-883C-4326-BD8C-1F1E87F00E66}" destId="{8969EB44-CAC7-412C-B223-A0E6596DF9DC}" srcOrd="0" destOrd="4" presId="urn:diagrams.loki3.com/BracketList+Icon"/>
+    <dgm:cxn modelId="{85FB1644-D102-4E98-B269-02FBC47EA9EC}" type="presOf" srcId="{09AD304C-3561-41CA-981F-C75508C1794E}" destId="{8969EB44-CAC7-412C-B223-A0E6596DF9DC}" srcOrd="0" destOrd="2" presId="urn:diagrams.loki3.com/BracketList+Icon"/>
     <dgm:cxn modelId="{32D91E62-DD80-42DE-9804-17448ECC2F6B}" type="presOf" srcId="{77F0D4DC-1AE3-483B-A0DC-33E4F2504697}" destId="{B8819CBC-7CF9-43F1-B712-BB623601F100}" srcOrd="0" destOrd="3" presId="urn:diagrams.loki3.com/BracketList+Icon"/>
     <dgm:cxn modelId="{44FC6DA8-AF1A-4D9E-89E9-A751AB3D95C7}" srcId="{48C21F09-3390-4DCC-B770-602113C8BCDC}" destId="{A3ADABAA-7191-4BB9-A9CF-E5B4D14842CD}" srcOrd="1" destOrd="0" parTransId="{60D459C2-D120-44D4-A476-B852A1CDEC60}" sibTransId="{4CD8DD8E-6E6B-4B43-9A10-24D2F4789C74}"/>
     <dgm:cxn modelId="{E6D778D6-FE8C-4648-AB17-8F5DD2380EE4}" srcId="{D0262701-8385-4BFC-9D92-11BE7C3583D8}" destId="{77F0D4DC-1AE3-483B-A0DC-33E4F2504697}" srcOrd="3" destOrd="0" parTransId="{D987DE4A-0A33-427B-869E-A0ED3A182805}" sibTransId="{28A08C6E-4A35-4D34-86B8-AB4753E03176}"/>
@@ -4567,6 +4610,735 @@
       <dsp:cNvGrpSpPr/>
     </dsp:nvGrpSpPr>
     <dsp:grpSpPr/>
+    <dsp:sp modelId="{B0B9B83E-FC2E-41E7-8971-551BFE61DAC6}">
+      <dsp:nvSpPr>
+        <dsp:cNvPr id="0" name=""/>
+        <dsp:cNvSpPr/>
+      </dsp:nvSpPr>
+      <dsp:spPr>
+        <a:xfrm>
+          <a:off x="5098" y="537116"/>
+          <a:ext cx="2607740" cy="601425"/>
+        </a:xfrm>
+        <a:prstGeom prst="rect">
+          <a:avLst/>
+        </a:prstGeom>
+        <a:noFill/>
+        <a:ln>
+          <a:noFill/>
+        </a:ln>
+        <a:effectLst/>
+      </dsp:spPr>
+      <dsp:style>
+        <a:lnRef idx="0">
+          <a:scrgbClr r="0" g="0" b="0"/>
+        </a:lnRef>
+        <a:fillRef idx="0">
+          <a:scrgbClr r="0" g="0" b="0"/>
+        </a:fillRef>
+        <a:effectRef idx="0">
+          <a:scrgbClr r="0" g="0" b="0"/>
+        </a:effectRef>
+        <a:fontRef idx="minor"/>
+      </dsp:style>
+      <dsp:txBody>
+        <a:bodyPr spcFirstLastPara="0" vert="horz" wrap="square" lIns="128016" tIns="45720" rIns="128016" bIns="45720" numCol="1" spcCol="1270" anchor="ctr" anchorCtr="0">
+          <a:noAutofit/>
+        </a:bodyPr>
+        <a:lstStyle/>
+        <a:p>
+          <a:pPr lvl="0" algn="r" defTabSz="800100">
+            <a:lnSpc>
+              <a:spcPct val="90000"/>
+            </a:lnSpc>
+            <a:spcBef>
+              <a:spcPct val="0"/>
+            </a:spcBef>
+            <a:spcAft>
+              <a:spcPct val="35000"/>
+            </a:spcAft>
+          </a:pPr>
+          <a:r>
+            <a:rPr lang="ru-RU" sz="1800" kern="1200" dirty="0" smtClean="0"/>
+            <a:t>Сервисы и консольные приложения</a:t>
+          </a:r>
+          <a:endParaRPr lang="ru-RU" sz="1800" kern="1200" dirty="0"/>
+        </a:p>
+      </dsp:txBody>
+      <dsp:txXfrm>
+        <a:off x="5098" y="537116"/>
+        <a:ext cx="2607740" cy="601425"/>
+      </dsp:txXfrm>
+    </dsp:sp>
+    <dsp:sp modelId="{62FD6581-C5F7-4678-A9CB-A5367F242350}">
+      <dsp:nvSpPr>
+        <dsp:cNvPr id="0" name=""/>
+        <dsp:cNvSpPr/>
+      </dsp:nvSpPr>
+      <dsp:spPr>
+        <a:xfrm>
+          <a:off x="2612839" y="48458"/>
+          <a:ext cx="521548" cy="1578740"/>
+        </a:xfrm>
+        <a:prstGeom prst="leftBrace">
+          <a:avLst>
+            <a:gd name="adj1" fmla="val 35000"/>
+            <a:gd name="adj2" fmla="val 50000"/>
+          </a:avLst>
+        </a:prstGeom>
+        <a:noFill/>
+        <a:ln w="25400" cap="flat" cmpd="sng" algn="ctr">
+          <a:solidFill>
+            <a:schemeClr val="accent1">
+              <a:shade val="60000"/>
+              <a:hueOff val="0"/>
+              <a:satOff val="0"/>
+              <a:lumOff val="0"/>
+              <a:alphaOff val="0"/>
+            </a:schemeClr>
+          </a:solidFill>
+          <a:miter lim="800000"/>
+        </a:ln>
+        <a:effectLst/>
+      </dsp:spPr>
+      <dsp:style>
+        <a:lnRef idx="2">
+          <a:scrgbClr r="0" g="0" b="0"/>
+        </a:lnRef>
+        <a:fillRef idx="0">
+          <a:scrgbClr r="0" g="0" b="0"/>
+        </a:fillRef>
+        <a:effectRef idx="0">
+          <a:scrgbClr r="0" g="0" b="0"/>
+        </a:effectRef>
+        <a:fontRef idx="minor"/>
+      </dsp:style>
+    </dsp:sp>
+    <dsp:sp modelId="{B8819CBC-7CF9-43F1-B712-BB623601F100}">
+      <dsp:nvSpPr>
+        <dsp:cNvPr id="0" name=""/>
+        <dsp:cNvSpPr/>
+      </dsp:nvSpPr>
+      <dsp:spPr>
+        <a:xfrm>
+          <a:off x="3343006" y="48458"/>
+          <a:ext cx="7093055" cy="1578740"/>
+        </a:xfrm>
+        <a:prstGeom prst="rect">
+          <a:avLst/>
+        </a:prstGeom>
+        <a:solidFill>
+          <a:schemeClr val="accent1">
+            <a:hueOff val="0"/>
+            <a:satOff val="0"/>
+            <a:lumOff val="0"/>
+            <a:alphaOff val="0"/>
+          </a:schemeClr>
+        </a:solidFill>
+        <a:ln w="25400" cap="flat" cmpd="sng" algn="ctr">
+          <a:solidFill>
+            <a:schemeClr val="lt1">
+              <a:hueOff val="0"/>
+              <a:satOff val="0"/>
+              <a:lumOff val="0"/>
+              <a:alphaOff val="0"/>
+            </a:schemeClr>
+          </a:solidFill>
+          <a:miter lim="800000"/>
+        </a:ln>
+        <a:effectLst/>
+      </dsp:spPr>
+      <dsp:style>
+        <a:lnRef idx="2">
+          <a:scrgbClr r="0" g="0" b="0"/>
+        </a:lnRef>
+        <a:fillRef idx="1">
+          <a:scrgbClr r="0" g="0" b="0"/>
+        </a:fillRef>
+        <a:effectRef idx="0">
+          <a:scrgbClr r="0" g="0" b="0"/>
+        </a:effectRef>
+        <a:fontRef idx="minor">
+          <a:schemeClr val="lt1"/>
+        </a:fontRef>
+      </dsp:style>
+      <dsp:txBody>
+        <a:bodyPr spcFirstLastPara="0" vert="horz" wrap="square" lIns="68580" tIns="68580" rIns="68580" bIns="68580" numCol="1" spcCol="1270" anchor="ctr" anchorCtr="0">
+          <a:noAutofit/>
+        </a:bodyPr>
+        <a:lstStyle/>
+        <a:p>
+          <a:pPr marL="171450" lvl="1" indent="-171450" algn="l" defTabSz="800100">
+            <a:lnSpc>
+              <a:spcPct val="90000"/>
+            </a:lnSpc>
+            <a:spcBef>
+              <a:spcPct val="0"/>
+            </a:spcBef>
+            <a:spcAft>
+              <a:spcPct val="15000"/>
+            </a:spcAft>
+            <a:buChar char="••"/>
+          </a:pPr>
+          <a:r>
+            <a:rPr lang="ru-RU" sz="1800" kern="1200" dirty="0" smtClean="0"/>
+            <a:t>Не требуют взаимодействия с интерактивными пользователями</a:t>
+          </a:r>
+          <a:endParaRPr lang="ru-RU" sz="1800" kern="1200" dirty="0"/>
+        </a:p>
+        <a:p>
+          <a:pPr marL="171450" lvl="1" indent="-171450" algn="l" defTabSz="800100">
+            <a:lnSpc>
+              <a:spcPct val="90000"/>
+            </a:lnSpc>
+            <a:spcBef>
+              <a:spcPct val="0"/>
+            </a:spcBef>
+            <a:spcAft>
+              <a:spcPct val="15000"/>
+            </a:spcAft>
+            <a:buChar char="••"/>
+          </a:pPr>
+          <a:r>
+            <a:rPr lang="ru-RU" sz="1800" kern="1200" dirty="0" smtClean="0"/>
+            <a:t>Многопоточные</a:t>
+          </a:r>
+          <a:endParaRPr lang="ru-RU" sz="1800" kern="1200" dirty="0"/>
+        </a:p>
+        <a:p>
+          <a:pPr marL="171450" lvl="1" indent="-171450" algn="l" defTabSz="800100">
+            <a:lnSpc>
+              <a:spcPct val="90000"/>
+            </a:lnSpc>
+            <a:spcBef>
+              <a:spcPct val="0"/>
+            </a:spcBef>
+            <a:spcAft>
+              <a:spcPct val="15000"/>
+            </a:spcAft>
+            <a:buChar char="••"/>
+          </a:pPr>
+          <a:r>
+            <a:rPr lang="ru-RU" sz="1800" kern="1200" dirty="0" smtClean="0"/>
+            <a:t>Высоконагруженные компоненты приложения</a:t>
+          </a:r>
+          <a:endParaRPr lang="ru-RU" sz="1800" kern="1200" dirty="0"/>
+        </a:p>
+        <a:p>
+          <a:pPr marL="171450" lvl="1" indent="-171450" algn="l" defTabSz="800100">
+            <a:lnSpc>
+              <a:spcPct val="90000"/>
+            </a:lnSpc>
+            <a:spcBef>
+              <a:spcPct val="0"/>
+            </a:spcBef>
+            <a:spcAft>
+              <a:spcPct val="15000"/>
+            </a:spcAft>
+            <a:buChar char="••"/>
+          </a:pPr>
+          <a:r>
+            <a:rPr lang="ru-RU" sz="1800" kern="1200" dirty="0" smtClean="0"/>
+            <a:t>Высокие требования по обработке ошибок</a:t>
+          </a:r>
+          <a:endParaRPr lang="ru-RU" sz="1800" kern="1200" dirty="0"/>
+        </a:p>
+        <a:p>
+          <a:pPr marL="171450" lvl="1" indent="-171450" algn="l" defTabSz="800100">
+            <a:lnSpc>
+              <a:spcPct val="90000"/>
+            </a:lnSpc>
+            <a:spcBef>
+              <a:spcPct val="0"/>
+            </a:spcBef>
+            <a:spcAft>
+              <a:spcPct val="15000"/>
+            </a:spcAft>
+            <a:buChar char="••"/>
+          </a:pPr>
+          <a:r>
+            <a:rPr lang="ru-RU" sz="1800" kern="1200" dirty="0" smtClean="0"/>
+            <a:t>Требуют промышленной системы  </a:t>
+          </a:r>
+          <a:r>
+            <a:rPr lang="ru-RU" sz="1800" kern="1200" dirty="0" err="1" smtClean="0"/>
+            <a:t>логирования</a:t>
+          </a:r>
+          <a:endParaRPr lang="ru-RU" sz="1800" kern="1200" dirty="0"/>
+        </a:p>
+      </dsp:txBody>
+      <dsp:txXfrm>
+        <a:off x="3343006" y="48458"/>
+        <a:ext cx="7093055" cy="1578740"/>
+      </dsp:txXfrm>
+    </dsp:sp>
+    <dsp:sp modelId="{532BC79A-AACB-403D-AF73-D1854E1487E5}">
+      <dsp:nvSpPr>
+        <dsp:cNvPr id="0" name=""/>
+        <dsp:cNvSpPr/>
+      </dsp:nvSpPr>
+      <dsp:spPr>
+        <a:xfrm>
+          <a:off x="5098" y="2315699"/>
+          <a:ext cx="2607740" cy="356400"/>
+        </a:xfrm>
+        <a:prstGeom prst="rect">
+          <a:avLst/>
+        </a:prstGeom>
+        <a:noFill/>
+        <a:ln>
+          <a:noFill/>
+        </a:ln>
+        <a:effectLst/>
+      </dsp:spPr>
+      <dsp:style>
+        <a:lnRef idx="0">
+          <a:scrgbClr r="0" g="0" b="0"/>
+        </a:lnRef>
+        <a:fillRef idx="0">
+          <a:scrgbClr r="0" g="0" b="0"/>
+        </a:fillRef>
+        <a:effectRef idx="0">
+          <a:scrgbClr r="0" g="0" b="0"/>
+        </a:effectRef>
+        <a:fontRef idx="minor"/>
+      </dsp:style>
+      <dsp:txBody>
+        <a:bodyPr spcFirstLastPara="0" vert="horz" wrap="square" lIns="128016" tIns="45720" rIns="128016" bIns="45720" numCol="1" spcCol="1270" anchor="ctr" anchorCtr="0">
+          <a:noAutofit/>
+        </a:bodyPr>
+        <a:lstStyle/>
+        <a:p>
+          <a:pPr lvl="0" algn="r" defTabSz="800100">
+            <a:lnSpc>
+              <a:spcPct val="90000"/>
+            </a:lnSpc>
+            <a:spcBef>
+              <a:spcPct val="0"/>
+            </a:spcBef>
+            <a:spcAft>
+              <a:spcPct val="35000"/>
+            </a:spcAft>
+          </a:pPr>
+          <a:r>
+            <a:rPr lang="ru-RU" sz="1800" kern="1200" dirty="0" smtClean="0"/>
+            <a:t>Веб-сайты</a:t>
+          </a:r>
+          <a:endParaRPr lang="ru-RU" sz="1800" kern="1200" dirty="0"/>
+        </a:p>
+      </dsp:txBody>
+      <dsp:txXfrm>
+        <a:off x="5098" y="2315699"/>
+        <a:ext cx="2607740" cy="356400"/>
+      </dsp:txXfrm>
+    </dsp:sp>
+    <dsp:sp modelId="{D7C660A3-1FEB-4466-B68E-2F97A964D1EF}">
+      <dsp:nvSpPr>
+        <dsp:cNvPr id="0" name=""/>
+        <dsp:cNvSpPr/>
+      </dsp:nvSpPr>
+      <dsp:spPr>
+        <a:xfrm>
+          <a:off x="2612839" y="1691999"/>
+          <a:ext cx="521548" cy="1603800"/>
+        </a:xfrm>
+        <a:prstGeom prst="leftBrace">
+          <a:avLst>
+            <a:gd name="adj1" fmla="val 35000"/>
+            <a:gd name="adj2" fmla="val 50000"/>
+          </a:avLst>
+        </a:prstGeom>
+        <a:noFill/>
+        <a:ln w="25400" cap="flat" cmpd="sng" algn="ctr">
+          <a:solidFill>
+            <a:schemeClr val="accent1">
+              <a:shade val="60000"/>
+              <a:hueOff val="0"/>
+              <a:satOff val="0"/>
+              <a:lumOff val="0"/>
+              <a:alphaOff val="0"/>
+            </a:schemeClr>
+          </a:solidFill>
+          <a:miter lim="800000"/>
+        </a:ln>
+        <a:effectLst/>
+      </dsp:spPr>
+      <dsp:style>
+        <a:lnRef idx="2">
+          <a:scrgbClr r="0" g="0" b="0"/>
+        </a:lnRef>
+        <a:fillRef idx="0">
+          <a:scrgbClr r="0" g="0" b="0"/>
+        </a:fillRef>
+        <a:effectRef idx="0">
+          <a:scrgbClr r="0" g="0" b="0"/>
+        </a:effectRef>
+        <a:fontRef idx="minor"/>
+      </dsp:style>
+    </dsp:sp>
+    <dsp:sp modelId="{8969EB44-CAC7-412C-B223-A0E6596DF9DC}">
+      <dsp:nvSpPr>
+        <dsp:cNvPr id="0" name=""/>
+        <dsp:cNvSpPr/>
+      </dsp:nvSpPr>
+      <dsp:spPr>
+        <a:xfrm>
+          <a:off x="3343006" y="1691999"/>
+          <a:ext cx="7093055" cy="1603800"/>
+        </a:xfrm>
+        <a:prstGeom prst="rect">
+          <a:avLst/>
+        </a:prstGeom>
+        <a:solidFill>
+          <a:schemeClr val="accent1">
+            <a:hueOff val="0"/>
+            <a:satOff val="0"/>
+            <a:lumOff val="0"/>
+            <a:alphaOff val="0"/>
+          </a:schemeClr>
+        </a:solidFill>
+        <a:ln w="25400" cap="flat" cmpd="sng" algn="ctr">
+          <a:solidFill>
+            <a:schemeClr val="lt1">
+              <a:hueOff val="0"/>
+              <a:satOff val="0"/>
+              <a:lumOff val="0"/>
+              <a:alphaOff val="0"/>
+            </a:schemeClr>
+          </a:solidFill>
+          <a:miter lim="800000"/>
+        </a:ln>
+        <a:effectLst/>
+      </dsp:spPr>
+      <dsp:style>
+        <a:lnRef idx="2">
+          <a:scrgbClr r="0" g="0" b="0"/>
+        </a:lnRef>
+        <a:fillRef idx="1">
+          <a:scrgbClr r="0" g="0" b="0"/>
+        </a:fillRef>
+        <a:effectRef idx="0">
+          <a:scrgbClr r="0" g="0" b="0"/>
+        </a:effectRef>
+        <a:fontRef idx="minor">
+          <a:schemeClr val="lt1"/>
+        </a:fontRef>
+      </dsp:style>
+      <dsp:txBody>
+        <a:bodyPr spcFirstLastPara="0" vert="horz" wrap="square" lIns="68580" tIns="68580" rIns="68580" bIns="68580" numCol="1" spcCol="1270" anchor="ctr" anchorCtr="0">
+          <a:noAutofit/>
+        </a:bodyPr>
+        <a:lstStyle/>
+        <a:p>
+          <a:pPr marL="171450" lvl="1" indent="-171450" algn="l" defTabSz="800100">
+            <a:lnSpc>
+              <a:spcPct val="90000"/>
+            </a:lnSpc>
+            <a:spcBef>
+              <a:spcPct val="0"/>
+            </a:spcBef>
+            <a:spcAft>
+              <a:spcPct val="15000"/>
+            </a:spcAft>
+            <a:buChar char="••"/>
+          </a:pPr>
+          <a:r>
+            <a:rPr lang="ru-RU" sz="1800" kern="1200" dirty="0" smtClean="0"/>
+            <a:t>Высоконагруженные компоненты приложения</a:t>
+          </a:r>
+          <a:endParaRPr lang="ru-RU" sz="1800" kern="1200" dirty="0"/>
+        </a:p>
+        <a:p>
+          <a:pPr marL="171450" lvl="1" indent="-171450" algn="l" defTabSz="800100">
+            <a:lnSpc>
+              <a:spcPct val="90000"/>
+            </a:lnSpc>
+            <a:spcBef>
+              <a:spcPct val="0"/>
+            </a:spcBef>
+            <a:spcAft>
+              <a:spcPct val="15000"/>
+            </a:spcAft>
+            <a:buChar char="••"/>
+          </a:pPr>
+          <a:r>
+            <a:rPr lang="ru-RU" sz="1800" kern="1200" dirty="0" smtClean="0"/>
+            <a:t>Многопоточные</a:t>
+          </a:r>
+          <a:endParaRPr lang="ru-RU" sz="1800" kern="1200" dirty="0"/>
+        </a:p>
+        <a:p>
+          <a:pPr marL="171450" lvl="1" indent="-171450" algn="l" defTabSz="800100">
+            <a:lnSpc>
+              <a:spcPct val="90000"/>
+            </a:lnSpc>
+            <a:spcBef>
+              <a:spcPct val="0"/>
+            </a:spcBef>
+            <a:spcAft>
+              <a:spcPct val="15000"/>
+            </a:spcAft>
+            <a:buChar char="••"/>
+          </a:pPr>
+          <a:r>
+            <a:rPr lang="ru-RU" sz="1800" kern="1200" dirty="0" smtClean="0"/>
+            <a:t>Многопользовательские</a:t>
+          </a:r>
+          <a:endParaRPr lang="ru-RU" sz="1800" kern="1200" dirty="0"/>
+        </a:p>
+        <a:p>
+          <a:pPr marL="171450" lvl="1" indent="-171450" algn="l" defTabSz="800100">
+            <a:lnSpc>
+              <a:spcPct val="90000"/>
+            </a:lnSpc>
+            <a:spcBef>
+              <a:spcPct val="0"/>
+            </a:spcBef>
+            <a:spcAft>
+              <a:spcPct val="15000"/>
+            </a:spcAft>
+            <a:buChar char="••"/>
+          </a:pPr>
+          <a:r>
+            <a:rPr lang="ru-RU" sz="1800" kern="1200" dirty="0" smtClean="0"/>
+            <a:t>Высокие требования по обработке ошибок</a:t>
+          </a:r>
+          <a:endParaRPr lang="ru-RU" sz="1800" kern="1200" dirty="0"/>
+        </a:p>
+        <a:p>
+          <a:pPr marL="171450" lvl="1" indent="-171450" algn="l" defTabSz="800100">
+            <a:lnSpc>
+              <a:spcPct val="90000"/>
+            </a:lnSpc>
+            <a:spcBef>
+              <a:spcPct val="0"/>
+            </a:spcBef>
+            <a:spcAft>
+              <a:spcPct val="15000"/>
+            </a:spcAft>
+            <a:buChar char="••"/>
+          </a:pPr>
+          <a:r>
+            <a:rPr lang="ru-RU" sz="1800" kern="1200" dirty="0" smtClean="0"/>
+            <a:t>Требуют промышленной системы  </a:t>
+          </a:r>
+          <a:r>
+            <a:rPr lang="ru-RU" sz="1800" kern="1200" dirty="0" err="1" smtClean="0"/>
+            <a:t>логирования</a:t>
+          </a:r>
+          <a:endParaRPr lang="ru-RU" sz="1800" kern="1200" dirty="0"/>
+        </a:p>
+      </dsp:txBody>
+      <dsp:txXfrm>
+        <a:off x="3343006" y="1691999"/>
+        <a:ext cx="7093055" cy="1603800"/>
+      </dsp:txXfrm>
+    </dsp:sp>
+    <dsp:sp modelId="{F0226B45-9F8E-4572-869D-459A37B71F5F}">
+      <dsp:nvSpPr>
+        <dsp:cNvPr id="0" name=""/>
+        <dsp:cNvSpPr/>
+      </dsp:nvSpPr>
+      <dsp:spPr>
+        <a:xfrm>
+          <a:off x="5098" y="3407585"/>
+          <a:ext cx="2607740" cy="601425"/>
+        </a:xfrm>
+        <a:prstGeom prst="rect">
+          <a:avLst/>
+        </a:prstGeom>
+        <a:noFill/>
+        <a:ln>
+          <a:noFill/>
+        </a:ln>
+        <a:effectLst/>
+      </dsp:spPr>
+      <dsp:style>
+        <a:lnRef idx="0">
+          <a:scrgbClr r="0" g="0" b="0"/>
+        </a:lnRef>
+        <a:fillRef idx="0">
+          <a:scrgbClr r="0" g="0" b="0"/>
+        </a:fillRef>
+        <a:effectRef idx="0">
+          <a:scrgbClr r="0" g="0" b="0"/>
+        </a:effectRef>
+        <a:fontRef idx="minor"/>
+      </dsp:style>
+      <dsp:txBody>
+        <a:bodyPr spcFirstLastPara="0" vert="horz" wrap="square" lIns="128016" tIns="45720" rIns="128016" bIns="45720" numCol="1" spcCol="1270" anchor="ctr" anchorCtr="0">
+          <a:noAutofit/>
+        </a:bodyPr>
+        <a:lstStyle/>
+        <a:p>
+          <a:pPr lvl="0" algn="r" defTabSz="800100">
+            <a:lnSpc>
+              <a:spcPct val="90000"/>
+            </a:lnSpc>
+            <a:spcBef>
+              <a:spcPct val="0"/>
+            </a:spcBef>
+            <a:spcAft>
+              <a:spcPct val="35000"/>
+            </a:spcAft>
+          </a:pPr>
+          <a:r>
+            <a:rPr lang="en-US" sz="1800" kern="1200" dirty="0" smtClean="0"/>
+            <a:t>GUI </a:t>
+          </a:r>
+          <a:r>
+            <a:rPr lang="ru-RU" sz="1800" kern="1200" dirty="0" smtClean="0"/>
+            <a:t>приложения и интерактивные консоли</a:t>
+          </a:r>
+          <a:endParaRPr lang="ru-RU" sz="1800" kern="1200" dirty="0"/>
+        </a:p>
+      </dsp:txBody>
+      <dsp:txXfrm>
+        <a:off x="5098" y="3407585"/>
+        <a:ext cx="2607740" cy="601425"/>
+      </dsp:txXfrm>
+    </dsp:sp>
+    <dsp:sp modelId="{F6D745FD-048E-4F33-98FC-03EB918E3ABB}">
+      <dsp:nvSpPr>
+        <dsp:cNvPr id="0" name=""/>
+        <dsp:cNvSpPr/>
+      </dsp:nvSpPr>
+      <dsp:spPr>
+        <a:xfrm>
+          <a:off x="2612839" y="3360599"/>
+          <a:ext cx="521548" cy="695397"/>
+        </a:xfrm>
+        <a:prstGeom prst="leftBrace">
+          <a:avLst>
+            <a:gd name="adj1" fmla="val 35000"/>
+            <a:gd name="adj2" fmla="val 50000"/>
+          </a:avLst>
+        </a:prstGeom>
+        <a:noFill/>
+        <a:ln w="25400" cap="flat" cmpd="sng" algn="ctr">
+          <a:solidFill>
+            <a:schemeClr val="accent1">
+              <a:shade val="60000"/>
+              <a:hueOff val="0"/>
+              <a:satOff val="0"/>
+              <a:lumOff val="0"/>
+              <a:alphaOff val="0"/>
+            </a:schemeClr>
+          </a:solidFill>
+          <a:miter lim="800000"/>
+        </a:ln>
+        <a:effectLst/>
+      </dsp:spPr>
+      <dsp:style>
+        <a:lnRef idx="2">
+          <a:scrgbClr r="0" g="0" b="0"/>
+        </a:lnRef>
+        <a:fillRef idx="0">
+          <a:scrgbClr r="0" g="0" b="0"/>
+        </a:fillRef>
+        <a:effectRef idx="0">
+          <a:scrgbClr r="0" g="0" b="0"/>
+        </a:effectRef>
+        <a:fontRef idx="minor"/>
+      </dsp:style>
+    </dsp:sp>
+    <dsp:sp modelId="{FCB6FB92-22F0-4AB8-96BF-7C97201D1C22}">
+      <dsp:nvSpPr>
+        <dsp:cNvPr id="0" name=""/>
+        <dsp:cNvSpPr/>
+      </dsp:nvSpPr>
+      <dsp:spPr>
+        <a:xfrm>
+          <a:off x="3343006" y="3360599"/>
+          <a:ext cx="7093055" cy="695397"/>
+        </a:xfrm>
+        <a:prstGeom prst="rect">
+          <a:avLst/>
+        </a:prstGeom>
+        <a:solidFill>
+          <a:schemeClr val="accent1">
+            <a:hueOff val="0"/>
+            <a:satOff val="0"/>
+            <a:lumOff val="0"/>
+            <a:alphaOff val="0"/>
+          </a:schemeClr>
+        </a:solidFill>
+        <a:ln w="25400" cap="flat" cmpd="sng" algn="ctr">
+          <a:solidFill>
+            <a:schemeClr val="lt1">
+              <a:hueOff val="0"/>
+              <a:satOff val="0"/>
+              <a:lumOff val="0"/>
+              <a:alphaOff val="0"/>
+            </a:schemeClr>
+          </a:solidFill>
+          <a:miter lim="800000"/>
+        </a:ln>
+        <a:effectLst/>
+      </dsp:spPr>
+      <dsp:style>
+        <a:lnRef idx="2">
+          <a:scrgbClr r="0" g="0" b="0"/>
+        </a:lnRef>
+        <a:fillRef idx="1">
+          <a:scrgbClr r="0" g="0" b="0"/>
+        </a:fillRef>
+        <a:effectRef idx="0">
+          <a:scrgbClr r="0" g="0" b="0"/>
+        </a:effectRef>
+        <a:fontRef idx="minor">
+          <a:schemeClr val="lt1"/>
+        </a:fontRef>
+      </dsp:style>
+      <dsp:txBody>
+        <a:bodyPr spcFirstLastPara="0" vert="horz" wrap="square" lIns="68580" tIns="68580" rIns="68580" bIns="68580" numCol="1" spcCol="1270" anchor="ctr" anchorCtr="0">
+          <a:noAutofit/>
+        </a:bodyPr>
+        <a:lstStyle/>
+        <a:p>
+          <a:pPr marL="171450" lvl="1" indent="-171450" algn="l" defTabSz="800100">
+            <a:lnSpc>
+              <a:spcPct val="90000"/>
+            </a:lnSpc>
+            <a:spcBef>
+              <a:spcPct val="0"/>
+            </a:spcBef>
+            <a:spcAft>
+              <a:spcPct val="15000"/>
+            </a:spcAft>
+            <a:buChar char="••"/>
+          </a:pPr>
+          <a:r>
+            <a:rPr lang="ru-RU" sz="1800" kern="1200" dirty="0" smtClean="0"/>
+            <a:t>Ориентированы на быстрый отклик</a:t>
+          </a:r>
+          <a:endParaRPr lang="ru-RU" sz="1800" kern="1200" dirty="0"/>
+        </a:p>
+        <a:p>
+          <a:pPr marL="171450" lvl="1" indent="-171450" algn="l" defTabSz="800100">
+            <a:lnSpc>
+              <a:spcPct val="90000"/>
+            </a:lnSpc>
+            <a:spcBef>
+              <a:spcPct val="0"/>
+            </a:spcBef>
+            <a:spcAft>
+              <a:spcPct val="15000"/>
+            </a:spcAft>
+            <a:buChar char="••"/>
+          </a:pPr>
+          <a:r>
+            <a:rPr lang="ru-RU" sz="1800" kern="1200" dirty="0" smtClean="0"/>
+            <a:t>«Сложный» путь доступа к данным</a:t>
+          </a:r>
+          <a:endParaRPr lang="ru-RU" sz="1800" kern="1200" dirty="0"/>
+        </a:p>
+      </dsp:txBody>
+      <dsp:txXfrm>
+        <a:off x="3343006" y="3360599"/>
+        <a:ext cx="7093055" cy="695397"/>
+      </dsp:txXfrm>
+    </dsp:sp>
   </dsp:spTree>
 </dsp:drawing>
 </file>
@@ -16138,7 +16910,7 @@
               <a:rPr lang="en-US" dirty="0" err="1" smtClean="0"/>
               <a:t>IoC</a:t>
             </a:r>
-            <a:endParaRPr lang="ru-RU" dirty="0"/>
+            <a:endParaRPr lang="ru-RU" dirty="0" smtClean="0"/>
           </a:p>
         </p:txBody>
       </p:sp>
@@ -22878,7 +23650,7 @@
           <p:nvPr>
             <p:extLst>
               <p:ext uri="{D42A27DB-BD31-4B8C-83A1-F6EECF244321}">
-                <p14:modId xmlns:p14="http://schemas.microsoft.com/office/powerpoint/2010/main" val="2494167730"/>
+                <p14:modId xmlns:p14="http://schemas.microsoft.com/office/powerpoint/2010/main" val="3924245259"/>
               </p:ext>
             </p:extLst>
           </p:nvPr>

--- a/docs/ZenCore - раздаточный материал.pptx
+++ b/docs/ZenCore - раздаточный материал.pptx
@@ -19544,7 +19544,7 @@
         <p:spPr/>
         <p:txBody>
           <a:bodyPr>
-            <a:normAutofit fontScale="92500"/>
+            <a:normAutofit fontScale="92500" lnSpcReduction="10000"/>
           </a:bodyPr>
           <a:lstStyle/>
           <a:p>
@@ -19642,7 +19642,23 @@
               <a:rPr lang="en-US" dirty="0">
                 <a:hlinkClick r:id="rId8"/>
               </a:rPr>
-              <a:t>https://www.nuget.org/packages/Zen.Core.Raven.Embeeded/</a:t>
+              <a:t>https://www.nuget.org/packages/Zen.Core.Raven.Embeeded</a:t>
+            </a:r>
+            <a:r>
+              <a:rPr lang="en-US" dirty="0" smtClean="0">
+                <a:hlinkClick r:id="rId8"/>
+              </a:rPr>
+              <a:t>/</a:t>
+            </a:r>
+            <a:endParaRPr lang="en-US" dirty="0" smtClean="0"/>
+          </a:p>
+          <a:p>
+            <a:pPr lvl="1"/>
+            <a:r>
+              <a:rPr lang="en-US" dirty="0">
+                <a:hlinkClick r:id="rId9"/>
+              </a:rPr>
+              <a:t>https://www.nuget.org/packages/Zen.Core.Mongo/</a:t>
             </a:r>
             <a:endParaRPr lang="ru-RU" dirty="0"/>
           </a:p>

--- a/docs/ZenCore - раздаточный материал.pptx
+++ b/docs/ZenCore - раздаточный материал.pptx
@@ -3753,25 +3753,25 @@
     </dgm:pt>
   </dgm:ptLst>
   <dgm:cxnLst>
+    <dgm:cxn modelId="{8E8109F3-0E50-4457-902D-A7D4319B6EE3}" srcId="{0E4F7DA9-5220-44E9-9ECC-F6603ECDBFC8}" destId="{939FA8CF-91E9-40E6-BCD9-87C4830AABD4}" srcOrd="0" destOrd="0" parTransId="{BDE16554-00B3-4339-A0D4-D4A723212E20}" sibTransId="{1AD2D952-171B-411D-9226-3720798204A3}"/>
+    <dgm:cxn modelId="{32758691-3DB9-4ACA-B348-BDDB29F7D38E}" srcId="{D02528FC-A284-42D1-B70A-03CAC89CF150}" destId="{5E034D5A-9660-4FA4-B37E-25CFFBEF7EBC}" srcOrd="1" destOrd="0" parTransId="{38F2945D-69C4-457A-9FA8-30A085FDB2C1}" sibTransId="{806E0F55-07CE-4D3E-AA14-F61A4466DAAA}"/>
+    <dgm:cxn modelId="{41557117-C18B-4473-B977-E8B5697A4289}" type="presOf" srcId="{4D55FB25-3E3F-49EC-9871-7AE04F4EFE93}" destId="{92D87B5C-7B00-4219-B6E2-DDA880E4D715}" srcOrd="0" destOrd="0" presId="urn:microsoft.com/office/officeart/2005/8/layout/lProcess1"/>
+    <dgm:cxn modelId="{188F8893-D030-41BA-83CC-3A70ADACDB0A}" srcId="{0E4F7DA9-5220-44E9-9ECC-F6603ECDBFC8}" destId="{B3402ECF-D238-4A4F-B4D6-76B0AD4271BA}" srcOrd="1" destOrd="0" parTransId="{D19510D0-9183-42F4-8CF5-F622D4ECFDDF}" sibTransId="{BC44BC5A-8F23-4E93-8855-402E3983496B}"/>
+    <dgm:cxn modelId="{F02121EE-BC58-4A95-9A9D-EAC985C9025A}" type="presOf" srcId="{544589D0-79AD-420A-A89B-071F5FBA1E05}" destId="{BAD63677-68EC-45C6-BD94-3C6A7B3287D5}" srcOrd="0" destOrd="0" presId="urn:microsoft.com/office/officeart/2005/8/layout/lProcess1"/>
+    <dgm:cxn modelId="{6997B57F-4D96-4CEA-A035-376A58E63870}" type="presOf" srcId="{0E4F7DA9-5220-44E9-9ECC-F6603ECDBFC8}" destId="{CD2147E2-DC8D-48D2-9675-F31B7845FF4E}" srcOrd="0" destOrd="0" presId="urn:microsoft.com/office/officeart/2005/8/layout/lProcess1"/>
+    <dgm:cxn modelId="{848D6445-4D41-4E68-97D7-6FF48FEA705D}" type="presOf" srcId="{5E034D5A-9660-4FA4-B37E-25CFFBEF7EBC}" destId="{07BE5471-A2C4-4757-B87E-1F52D1729F79}" srcOrd="0" destOrd="0" presId="urn:microsoft.com/office/officeart/2005/8/layout/lProcess1"/>
+    <dgm:cxn modelId="{352834D3-7C38-44DD-A6E4-472858B096D2}" type="presOf" srcId="{B3402ECF-D238-4A4F-B4D6-76B0AD4271BA}" destId="{53708D37-3070-4FD0-BE47-F28F8CC81BC1}" srcOrd="0" destOrd="0" presId="urn:microsoft.com/office/officeart/2005/8/layout/lProcess1"/>
+    <dgm:cxn modelId="{4EDC5A75-1518-4FAC-B12B-CC89046DE252}" type="presOf" srcId="{6A1A644F-5097-4104-B5B5-F88E919A7EEE}" destId="{18626949-A8B9-4707-A3FE-D0439AA3BB29}" srcOrd="0" destOrd="0" presId="urn:microsoft.com/office/officeart/2005/8/layout/lProcess1"/>
+    <dgm:cxn modelId="{D655D8F3-4737-40DD-9F30-08DB2A87E15E}" type="presOf" srcId="{9D12A534-16C6-426A-9A08-CACB86DC6F0E}" destId="{8400F283-A4B6-4CF7-9A8B-35DC0A8974E3}" srcOrd="0" destOrd="0" presId="urn:microsoft.com/office/officeart/2005/8/layout/lProcess1"/>
+    <dgm:cxn modelId="{6CFF37EC-DFF4-459C-9047-B9A752A6D8B6}" type="presOf" srcId="{BDE16554-00B3-4339-A0D4-D4A723212E20}" destId="{B1E8574C-88B9-42FE-A7BF-613049B010B4}" srcOrd="0" destOrd="0" presId="urn:microsoft.com/office/officeart/2005/8/layout/lProcess1"/>
+    <dgm:cxn modelId="{B4343099-609D-4601-A2F6-C9DE049D8F4E}" type="presOf" srcId="{939FA8CF-91E9-40E6-BCD9-87C4830AABD4}" destId="{FF21E113-E64D-4814-9742-5B7ACF00309B}" srcOrd="0" destOrd="0" presId="urn:microsoft.com/office/officeart/2005/8/layout/lProcess1"/>
     <dgm:cxn modelId="{20B09039-DAE2-46B4-B0B8-82B3146C6683}" srcId="{544589D0-79AD-420A-A89B-071F5FBA1E05}" destId="{D02528FC-A284-42D1-B70A-03CAC89CF150}" srcOrd="1" destOrd="0" parTransId="{66C27EE3-AA48-471B-86F3-4B11C6B53CED}" sibTransId="{02D7B1C0-0F9C-41EC-992A-0F044F8A0DEC}"/>
-    <dgm:cxn modelId="{6997B57F-4D96-4CEA-A035-376A58E63870}" type="presOf" srcId="{0E4F7DA9-5220-44E9-9ECC-F6603ECDBFC8}" destId="{CD2147E2-DC8D-48D2-9675-F31B7845FF4E}" srcOrd="0" destOrd="0" presId="urn:microsoft.com/office/officeart/2005/8/layout/lProcess1"/>
-    <dgm:cxn modelId="{41557117-C18B-4473-B977-E8B5697A4289}" type="presOf" srcId="{4D55FB25-3E3F-49EC-9871-7AE04F4EFE93}" destId="{92D87B5C-7B00-4219-B6E2-DDA880E4D715}" srcOrd="0" destOrd="0" presId="urn:microsoft.com/office/officeart/2005/8/layout/lProcess1"/>
+    <dgm:cxn modelId="{CF1A4914-EB06-4B5A-991E-BE9BAFCA448C}" type="presOf" srcId="{D02528FC-A284-42D1-B70A-03CAC89CF150}" destId="{6E9CB082-0229-490A-B715-0412743FA94B}" srcOrd="0" destOrd="0" presId="urn:microsoft.com/office/officeart/2005/8/layout/lProcess1"/>
+    <dgm:cxn modelId="{E0F699F7-A11D-4055-9474-912AFEB0263E}" srcId="{544589D0-79AD-420A-A89B-071F5FBA1E05}" destId="{3E8046C7-59A7-436F-981D-EDB18B12A202}" srcOrd="0" destOrd="0" parTransId="{AD1F285C-69BF-451E-B006-417D80411636}" sibTransId="{651F2E78-A489-4673-AD79-F9875A34A9F7}"/>
     <dgm:cxn modelId="{ABCA9405-C9CF-4C77-8B21-1D92842C317D}" srcId="{544589D0-79AD-420A-A89B-071F5FBA1E05}" destId="{0E4F7DA9-5220-44E9-9ECC-F6603ECDBFC8}" srcOrd="2" destOrd="0" parTransId="{1F3D6621-5E3E-4C8E-81B6-E847C78109E7}" sibTransId="{C8E00B35-9735-43AB-86D7-ECE7F3F5818E}"/>
     <dgm:cxn modelId="{14926E19-2ABE-4675-B2EB-D4BE110A28AF}" srcId="{D02528FC-A284-42D1-B70A-03CAC89CF150}" destId="{9D12A534-16C6-426A-9A08-CACB86DC6F0E}" srcOrd="0" destOrd="0" parTransId="{4D55FB25-3E3F-49EC-9871-7AE04F4EFE93}" sibTransId="{6A1A644F-5097-4104-B5B5-F88E919A7EEE}"/>
-    <dgm:cxn modelId="{352834D3-7C38-44DD-A6E4-472858B096D2}" type="presOf" srcId="{B3402ECF-D238-4A4F-B4D6-76B0AD4271BA}" destId="{53708D37-3070-4FD0-BE47-F28F8CC81BC1}" srcOrd="0" destOrd="0" presId="urn:microsoft.com/office/officeart/2005/8/layout/lProcess1"/>
-    <dgm:cxn modelId="{F02121EE-BC58-4A95-9A9D-EAC985C9025A}" type="presOf" srcId="{544589D0-79AD-420A-A89B-071F5FBA1E05}" destId="{BAD63677-68EC-45C6-BD94-3C6A7B3287D5}" srcOrd="0" destOrd="0" presId="urn:microsoft.com/office/officeart/2005/8/layout/lProcess1"/>
-    <dgm:cxn modelId="{4EDC5A75-1518-4FAC-B12B-CC89046DE252}" type="presOf" srcId="{6A1A644F-5097-4104-B5B5-F88E919A7EEE}" destId="{18626949-A8B9-4707-A3FE-D0439AA3BB29}" srcOrd="0" destOrd="0" presId="urn:microsoft.com/office/officeart/2005/8/layout/lProcess1"/>
-    <dgm:cxn modelId="{848D6445-4D41-4E68-97D7-6FF48FEA705D}" type="presOf" srcId="{5E034D5A-9660-4FA4-B37E-25CFFBEF7EBC}" destId="{07BE5471-A2C4-4757-B87E-1F52D1729F79}" srcOrd="0" destOrd="0" presId="urn:microsoft.com/office/officeart/2005/8/layout/lProcess1"/>
+    <dgm:cxn modelId="{FAC317B5-30F9-481A-93CB-6986C498E5E6}" type="presOf" srcId="{1AD2D952-171B-411D-9226-3720798204A3}" destId="{A342FF67-C8E2-459D-A035-396A71F26394}" srcOrd="0" destOrd="0" presId="urn:microsoft.com/office/officeart/2005/8/layout/lProcess1"/>
     <dgm:cxn modelId="{0B2B7A0B-C6DE-4DC0-A275-B934C041600C}" type="presOf" srcId="{3E8046C7-59A7-436F-981D-EDB18B12A202}" destId="{78B729F4-1371-4419-AA09-BA63795941F6}" srcOrd="0" destOrd="0" presId="urn:microsoft.com/office/officeart/2005/8/layout/lProcess1"/>
-    <dgm:cxn modelId="{6CFF37EC-DFF4-459C-9047-B9A752A6D8B6}" type="presOf" srcId="{BDE16554-00B3-4339-A0D4-D4A723212E20}" destId="{B1E8574C-88B9-42FE-A7BF-613049B010B4}" srcOrd="0" destOrd="0" presId="urn:microsoft.com/office/officeart/2005/8/layout/lProcess1"/>
-    <dgm:cxn modelId="{B4343099-609D-4601-A2F6-C9DE049D8F4E}" type="presOf" srcId="{939FA8CF-91E9-40E6-BCD9-87C4830AABD4}" destId="{FF21E113-E64D-4814-9742-5B7ACF00309B}" srcOrd="0" destOrd="0" presId="urn:microsoft.com/office/officeart/2005/8/layout/lProcess1"/>
-    <dgm:cxn modelId="{D655D8F3-4737-40DD-9F30-08DB2A87E15E}" type="presOf" srcId="{9D12A534-16C6-426A-9A08-CACB86DC6F0E}" destId="{8400F283-A4B6-4CF7-9A8B-35DC0A8974E3}" srcOrd="0" destOrd="0" presId="urn:microsoft.com/office/officeart/2005/8/layout/lProcess1"/>
-    <dgm:cxn modelId="{32758691-3DB9-4ACA-B348-BDDB29F7D38E}" srcId="{D02528FC-A284-42D1-B70A-03CAC89CF150}" destId="{5E034D5A-9660-4FA4-B37E-25CFFBEF7EBC}" srcOrd="1" destOrd="0" parTransId="{38F2945D-69C4-457A-9FA8-30A085FDB2C1}" sibTransId="{806E0F55-07CE-4D3E-AA14-F61A4466DAAA}"/>
-    <dgm:cxn modelId="{FAC317B5-30F9-481A-93CB-6986C498E5E6}" type="presOf" srcId="{1AD2D952-171B-411D-9226-3720798204A3}" destId="{A342FF67-C8E2-459D-A035-396A71F26394}" srcOrd="0" destOrd="0" presId="urn:microsoft.com/office/officeart/2005/8/layout/lProcess1"/>
-    <dgm:cxn modelId="{8E8109F3-0E50-4457-902D-A7D4319B6EE3}" srcId="{0E4F7DA9-5220-44E9-9ECC-F6603ECDBFC8}" destId="{939FA8CF-91E9-40E6-BCD9-87C4830AABD4}" srcOrd="0" destOrd="0" parTransId="{BDE16554-00B3-4339-A0D4-D4A723212E20}" sibTransId="{1AD2D952-171B-411D-9226-3720798204A3}"/>
-    <dgm:cxn modelId="{E0F699F7-A11D-4055-9474-912AFEB0263E}" srcId="{544589D0-79AD-420A-A89B-071F5FBA1E05}" destId="{3E8046C7-59A7-436F-981D-EDB18B12A202}" srcOrd="0" destOrd="0" parTransId="{AD1F285C-69BF-451E-B006-417D80411636}" sibTransId="{651F2E78-A489-4673-AD79-F9875A34A9F7}"/>
-    <dgm:cxn modelId="{188F8893-D030-41BA-83CC-3A70ADACDB0A}" srcId="{0E4F7DA9-5220-44E9-9ECC-F6603ECDBFC8}" destId="{B3402ECF-D238-4A4F-B4D6-76B0AD4271BA}" srcOrd="1" destOrd="0" parTransId="{D19510D0-9183-42F4-8CF5-F622D4ECFDDF}" sibTransId="{BC44BC5A-8F23-4E93-8855-402E3983496B}"/>
-    <dgm:cxn modelId="{CF1A4914-EB06-4B5A-991E-BE9BAFCA448C}" type="presOf" srcId="{D02528FC-A284-42D1-B70A-03CAC89CF150}" destId="{6E9CB082-0229-490A-B715-0412743FA94B}" srcOrd="0" destOrd="0" presId="urn:microsoft.com/office/officeart/2005/8/layout/lProcess1"/>
     <dgm:cxn modelId="{C4DC1C19-6F7E-42EC-A261-0A43906569C9}" type="presParOf" srcId="{BAD63677-68EC-45C6-BD94-3C6A7B3287D5}" destId="{563A7CAD-D840-44E6-BDCC-1D54404D21CD}" srcOrd="0" destOrd="0" presId="urn:microsoft.com/office/officeart/2005/8/layout/lProcess1"/>
     <dgm:cxn modelId="{52125F10-D1BC-4C18-BFA4-B630F75025F3}" type="presParOf" srcId="{563A7CAD-D840-44E6-BDCC-1D54404D21CD}" destId="{78B729F4-1371-4419-AA09-BA63795941F6}" srcOrd="0" destOrd="0" presId="urn:microsoft.com/office/officeart/2005/8/layout/lProcess1"/>
     <dgm:cxn modelId="{EBD2466A-89BB-4C9B-8CC1-D05CA78BB06D}" type="presParOf" srcId="{BAD63677-68EC-45C6-BD94-3C6A7B3287D5}" destId="{F4DF879B-1EC3-4A6D-9A36-A1954365E9DC}" srcOrd="1" destOrd="0" presId="urn:microsoft.com/office/officeart/2005/8/layout/lProcess1"/>
@@ -4536,36 +4536,36 @@
     </dgm:pt>
   </dgm:ptLst>
   <dgm:cxnLst>
-    <dgm:cxn modelId="{854AFA67-93B7-45A1-9311-4291368E1310}" srcId="{3E8046C7-59A7-436F-981D-EDB18B12A202}" destId="{B571659A-1767-47F2-8C7C-1035AC476B11}" srcOrd="1" destOrd="0" parTransId="{9D37CCA6-E625-4C8A-B9DF-C54F1CB07415}" sibTransId="{247A3781-2AC2-4C78-958E-14DCAD5B6D2F}"/>
-    <dgm:cxn modelId="{C18ED380-1A39-4076-9BEA-567B3C8EF6DB}" srcId="{3E8046C7-59A7-436F-981D-EDB18B12A202}" destId="{81FC1077-54C0-4DDB-B37D-8AC85E475C18}" srcOrd="2" destOrd="0" parTransId="{A71496E4-5218-40F7-A21B-CB5EC1B9DFAC}" sibTransId="{EDFBAE55-7876-464E-A152-E1100D06C362}"/>
-    <dgm:cxn modelId="{EC1A535E-5585-486C-84F4-5D0A3A139D86}" type="presOf" srcId="{10ABEF90-4FEC-4310-B31E-9E65089C8A98}" destId="{73FFF96E-4193-41FD-87E7-D97AEA7C58EC}" srcOrd="0" destOrd="0" presId="urn:microsoft.com/office/officeart/2005/8/layout/lProcess1"/>
-    <dgm:cxn modelId="{03624074-8959-4D79-A2EA-1EACD252E83A}" type="presOf" srcId="{837B01C2-F9DB-4876-A66D-ABEA8621734B}" destId="{E793EE05-9110-498A-B035-F32B1AF963A5}" srcOrd="0" destOrd="0" presId="urn:microsoft.com/office/officeart/2005/8/layout/lProcess1"/>
-    <dgm:cxn modelId="{86702920-FC12-4B94-9B77-EAA2F4671EDF}" type="presOf" srcId="{939FA8CF-91E9-40E6-BCD9-87C4830AABD4}" destId="{FF21E113-E64D-4814-9742-5B7ACF00309B}" srcOrd="0" destOrd="0" presId="urn:microsoft.com/office/officeart/2005/8/layout/lProcess1"/>
-    <dgm:cxn modelId="{11C0548C-3505-4DFD-A96D-B0F414453E79}" type="presOf" srcId="{544589D0-79AD-420A-A89B-071F5FBA1E05}" destId="{BAD63677-68EC-45C6-BD94-3C6A7B3287D5}" srcOrd="0" destOrd="0" presId="urn:microsoft.com/office/officeart/2005/8/layout/lProcess1"/>
-    <dgm:cxn modelId="{E0F699F7-A11D-4055-9474-912AFEB0263E}" srcId="{544589D0-79AD-420A-A89B-071F5FBA1E05}" destId="{3E8046C7-59A7-436F-981D-EDB18B12A202}" srcOrd="0" destOrd="0" parTransId="{AD1F285C-69BF-451E-B006-417D80411636}" sibTransId="{651F2E78-A489-4673-AD79-F9875A34A9F7}"/>
-    <dgm:cxn modelId="{14926E19-2ABE-4675-B2EB-D4BE110A28AF}" srcId="{D02528FC-A284-42D1-B70A-03CAC89CF150}" destId="{9D12A534-16C6-426A-9A08-CACB86DC6F0E}" srcOrd="0" destOrd="0" parTransId="{4D55FB25-3E3F-49EC-9871-7AE04F4EFE93}" sibTransId="{6A1A644F-5097-4104-B5B5-F88E919A7EEE}"/>
-    <dgm:cxn modelId="{ABCA9405-C9CF-4C77-8B21-1D92842C317D}" srcId="{544589D0-79AD-420A-A89B-071F5FBA1E05}" destId="{0E4F7DA9-5220-44E9-9ECC-F6603ECDBFC8}" srcOrd="3" destOrd="0" parTransId="{1F3D6621-5E3E-4C8E-81B6-E847C78109E7}" sibTransId="{C8E00B35-9735-43AB-86D7-ECE7F3F5818E}"/>
-    <dgm:cxn modelId="{296AEF92-2843-4A66-865C-3E7011C25F2A}" type="presOf" srcId="{4DCB2302-FF97-46AC-B306-13A89B1BEF07}" destId="{2BAD7BAC-92DB-44AF-9AF4-2AB3A7A0C5D3}" srcOrd="0" destOrd="0" presId="urn:microsoft.com/office/officeart/2005/8/layout/lProcess1"/>
-    <dgm:cxn modelId="{424E86CC-661B-4A5D-8C0A-6BE73BC17FC8}" type="presOf" srcId="{9D12A534-16C6-426A-9A08-CACB86DC6F0E}" destId="{8400F283-A4B6-4CF7-9A8B-35DC0A8974E3}" srcOrd="0" destOrd="0" presId="urn:microsoft.com/office/officeart/2005/8/layout/lProcess1"/>
-    <dgm:cxn modelId="{69D7E759-5BDC-4CDB-897C-F94221B090C0}" type="presOf" srcId="{BDE16554-00B3-4339-A0D4-D4A723212E20}" destId="{B1E8574C-88B9-42FE-A7BF-613049B010B4}" srcOrd="0" destOrd="0" presId="urn:microsoft.com/office/officeart/2005/8/layout/lProcess1"/>
-    <dgm:cxn modelId="{831C4DB5-CB6C-46C5-96B8-CD2EA6C83358}" type="presOf" srcId="{6A1A644F-5097-4104-B5B5-F88E919A7EEE}" destId="{18626949-A8B9-4707-A3FE-D0439AA3BB29}" srcOrd="0" destOrd="0" presId="urn:microsoft.com/office/officeart/2005/8/layout/lProcess1"/>
-    <dgm:cxn modelId="{8E8109F3-0E50-4457-902D-A7D4319B6EE3}" srcId="{0E4F7DA9-5220-44E9-9ECC-F6603ECDBFC8}" destId="{939FA8CF-91E9-40E6-BCD9-87C4830AABD4}" srcOrd="0" destOrd="0" parTransId="{BDE16554-00B3-4339-A0D4-D4A723212E20}" sibTransId="{1AD2D952-171B-411D-9226-3720798204A3}"/>
-    <dgm:cxn modelId="{DCD56F29-A961-4E43-BCDB-4D491B6852AA}" type="presOf" srcId="{0E4F7DA9-5220-44E9-9ECC-F6603ECDBFC8}" destId="{CD2147E2-DC8D-48D2-9675-F31B7845FF4E}" srcOrd="0" destOrd="0" presId="urn:microsoft.com/office/officeart/2005/8/layout/lProcess1"/>
-    <dgm:cxn modelId="{F151FEA3-F4AA-4154-B8EA-A54FFCB5260D}" type="presOf" srcId="{D02528FC-A284-42D1-B70A-03CAC89CF150}" destId="{6E9CB082-0229-490A-B715-0412743FA94B}" srcOrd="0" destOrd="0" presId="urn:microsoft.com/office/officeart/2005/8/layout/lProcess1"/>
-    <dgm:cxn modelId="{D2D28CC8-A032-4290-99A4-2E8990A705C4}" type="presOf" srcId="{81FC1077-54C0-4DDB-B37D-8AC85E475C18}" destId="{F115B8E4-1FA8-461B-839C-B35441FF496F}" srcOrd="0" destOrd="0" presId="urn:microsoft.com/office/officeart/2005/8/layout/lProcess1"/>
-    <dgm:cxn modelId="{687A1351-E6E9-40EF-9C79-C415FCF2E07B}" type="presOf" srcId="{247A3781-2AC2-4C78-958E-14DCAD5B6D2F}" destId="{8529474A-18FD-4648-9A66-EBCE03A5AF05}" srcOrd="0" destOrd="0" presId="urn:microsoft.com/office/officeart/2005/8/layout/lProcess1"/>
-    <dgm:cxn modelId="{53047DA7-5FB2-4BB2-860D-655419CF4250}" type="presOf" srcId="{56D58DE1-8E3C-4D14-9A48-F373A4E96FA4}" destId="{25B63565-BC56-4001-AFC0-A811B8E36DD8}" srcOrd="0" destOrd="0" presId="urn:microsoft.com/office/officeart/2005/8/layout/lProcess1"/>
-    <dgm:cxn modelId="{41BF9270-DFF4-4AC9-A289-1D0A60424EBC}" type="presOf" srcId="{B571659A-1767-47F2-8C7C-1035AC476B11}" destId="{CD6B50A7-36CB-41B7-B3AB-1EA34CE06A66}" srcOrd="0" destOrd="0" presId="urn:microsoft.com/office/officeart/2005/8/layout/lProcess1"/>
-    <dgm:cxn modelId="{889D3678-31C0-4AF1-8AF7-FA606A773444}" srcId="{544589D0-79AD-420A-A89B-071F5FBA1E05}" destId="{8471FF05-BA4C-459D-89D8-5A33C6C4B74D}" srcOrd="1" destOrd="0" parTransId="{2AC12CFF-4C8C-45D0-8B1F-E9115C7A3524}" sibTransId="{0EE35FF4-B74E-4230-963A-C614F4B2A9A1}"/>
-    <dgm:cxn modelId="{32758691-3DB9-4ACA-B348-BDDB29F7D38E}" srcId="{D02528FC-A284-42D1-B70A-03CAC89CF150}" destId="{5E034D5A-9660-4FA4-B37E-25CFFBEF7EBC}" srcOrd="1" destOrd="0" parTransId="{38F2945D-69C4-457A-9FA8-30A085FDB2C1}" sibTransId="{806E0F55-07CE-4D3E-AA14-F61A4466DAAA}"/>
-    <dgm:cxn modelId="{512D3C5A-385E-4006-9FE6-798580920FB4}" type="presOf" srcId="{8471FF05-BA4C-459D-89D8-5A33C6C4B74D}" destId="{FF982F86-D2FF-49F0-8A66-25C3652F8577}" srcOrd="0" destOrd="0" presId="urn:microsoft.com/office/officeart/2005/8/layout/lProcess1"/>
     <dgm:cxn modelId="{197BC593-2C01-4552-9D0A-824792032C6E}" srcId="{3E8046C7-59A7-436F-981D-EDB18B12A202}" destId="{56D58DE1-8E3C-4D14-9A48-F373A4E96FA4}" srcOrd="0" destOrd="0" parTransId="{837B01C2-F9DB-4876-A66D-ABEA8621734B}" sibTransId="{834FD7F7-B1E4-4BDD-BEE4-E53E20F5565C}"/>
     <dgm:cxn modelId="{1ACAAC05-0B51-4986-940E-76F7DE152BA3}" type="presOf" srcId="{3E8046C7-59A7-436F-981D-EDB18B12A202}" destId="{78B729F4-1371-4419-AA09-BA63795941F6}" srcOrd="0" destOrd="0" presId="urn:microsoft.com/office/officeart/2005/8/layout/lProcess1"/>
+    <dgm:cxn modelId="{69D7E759-5BDC-4CDB-897C-F94221B090C0}" type="presOf" srcId="{BDE16554-00B3-4339-A0D4-D4A723212E20}" destId="{B1E8574C-88B9-42FE-A7BF-613049B010B4}" srcOrd="0" destOrd="0" presId="urn:microsoft.com/office/officeart/2005/8/layout/lProcess1"/>
+    <dgm:cxn modelId="{53047DA7-5FB2-4BB2-860D-655419CF4250}" type="presOf" srcId="{56D58DE1-8E3C-4D14-9A48-F373A4E96FA4}" destId="{25B63565-BC56-4001-AFC0-A811B8E36DD8}" srcOrd="0" destOrd="0" presId="urn:microsoft.com/office/officeart/2005/8/layout/lProcess1"/>
+    <dgm:cxn modelId="{D2D28CC8-A032-4290-99A4-2E8990A705C4}" type="presOf" srcId="{81FC1077-54C0-4DDB-B37D-8AC85E475C18}" destId="{F115B8E4-1FA8-461B-839C-B35441FF496F}" srcOrd="0" destOrd="0" presId="urn:microsoft.com/office/officeart/2005/8/layout/lProcess1"/>
+    <dgm:cxn modelId="{889D3678-31C0-4AF1-8AF7-FA606A773444}" srcId="{544589D0-79AD-420A-A89B-071F5FBA1E05}" destId="{8471FF05-BA4C-459D-89D8-5A33C6C4B74D}" srcOrd="1" destOrd="0" parTransId="{2AC12CFF-4C8C-45D0-8B1F-E9115C7A3524}" sibTransId="{0EE35FF4-B74E-4230-963A-C614F4B2A9A1}"/>
+    <dgm:cxn modelId="{41BF9270-DFF4-4AC9-A289-1D0A60424EBC}" type="presOf" srcId="{B571659A-1767-47F2-8C7C-1035AC476B11}" destId="{CD6B50A7-36CB-41B7-B3AB-1EA34CE06A66}" srcOrd="0" destOrd="0" presId="urn:microsoft.com/office/officeart/2005/8/layout/lProcess1"/>
+    <dgm:cxn modelId="{424E86CC-661B-4A5D-8C0A-6BE73BC17FC8}" type="presOf" srcId="{9D12A534-16C6-426A-9A08-CACB86DC6F0E}" destId="{8400F283-A4B6-4CF7-9A8B-35DC0A8974E3}" srcOrd="0" destOrd="0" presId="urn:microsoft.com/office/officeart/2005/8/layout/lProcess1"/>
+    <dgm:cxn modelId="{C18ED380-1A39-4076-9BEA-567B3C8EF6DB}" srcId="{3E8046C7-59A7-436F-981D-EDB18B12A202}" destId="{81FC1077-54C0-4DDB-B37D-8AC85E475C18}" srcOrd="2" destOrd="0" parTransId="{A71496E4-5218-40F7-A21B-CB5EC1B9DFAC}" sibTransId="{EDFBAE55-7876-464E-A152-E1100D06C362}"/>
+    <dgm:cxn modelId="{8E8109F3-0E50-4457-902D-A7D4319B6EE3}" srcId="{0E4F7DA9-5220-44E9-9ECC-F6603ECDBFC8}" destId="{939FA8CF-91E9-40E6-BCD9-87C4830AABD4}" srcOrd="0" destOrd="0" parTransId="{BDE16554-00B3-4339-A0D4-D4A723212E20}" sibTransId="{1AD2D952-171B-411D-9226-3720798204A3}"/>
+    <dgm:cxn modelId="{831C4DB5-CB6C-46C5-96B8-CD2EA6C83358}" type="presOf" srcId="{6A1A644F-5097-4104-B5B5-F88E919A7EEE}" destId="{18626949-A8B9-4707-A3FE-D0439AA3BB29}" srcOrd="0" destOrd="0" presId="urn:microsoft.com/office/officeart/2005/8/layout/lProcess1"/>
+    <dgm:cxn modelId="{B1AA2F0D-4518-45BD-A1E0-5943FE6C845D}" srcId="{8471FF05-BA4C-459D-89D8-5A33C6C4B74D}" destId="{4DCB2302-FF97-46AC-B306-13A89B1BEF07}" srcOrd="0" destOrd="0" parTransId="{10ABEF90-4FEC-4310-B31E-9E65089C8A98}" sibTransId="{50988FC4-9461-40F6-84A4-0CC453A269C0}"/>
+    <dgm:cxn modelId="{F151FEA3-F4AA-4154-B8EA-A54FFCB5260D}" type="presOf" srcId="{D02528FC-A284-42D1-B70A-03CAC89CF150}" destId="{6E9CB082-0229-490A-B715-0412743FA94B}" srcOrd="0" destOrd="0" presId="urn:microsoft.com/office/officeart/2005/8/layout/lProcess1"/>
+    <dgm:cxn modelId="{86702920-FC12-4B94-9B77-EAA2F4671EDF}" type="presOf" srcId="{939FA8CF-91E9-40E6-BCD9-87C4830AABD4}" destId="{FF21E113-E64D-4814-9742-5B7ACF00309B}" srcOrd="0" destOrd="0" presId="urn:microsoft.com/office/officeart/2005/8/layout/lProcess1"/>
+    <dgm:cxn modelId="{EC1A535E-5585-486C-84F4-5D0A3A139D86}" type="presOf" srcId="{10ABEF90-4FEC-4310-B31E-9E65089C8A98}" destId="{73FFF96E-4193-41FD-87E7-D97AEA7C58EC}" srcOrd="0" destOrd="0" presId="urn:microsoft.com/office/officeart/2005/8/layout/lProcess1"/>
+    <dgm:cxn modelId="{14926E19-2ABE-4675-B2EB-D4BE110A28AF}" srcId="{D02528FC-A284-42D1-B70A-03CAC89CF150}" destId="{9D12A534-16C6-426A-9A08-CACB86DC6F0E}" srcOrd="0" destOrd="0" parTransId="{4D55FB25-3E3F-49EC-9871-7AE04F4EFE93}" sibTransId="{6A1A644F-5097-4104-B5B5-F88E919A7EEE}"/>
+    <dgm:cxn modelId="{DCD56F29-A961-4E43-BCDB-4D491B6852AA}" type="presOf" srcId="{0E4F7DA9-5220-44E9-9ECC-F6603ECDBFC8}" destId="{CD2147E2-DC8D-48D2-9675-F31B7845FF4E}" srcOrd="0" destOrd="0" presId="urn:microsoft.com/office/officeart/2005/8/layout/lProcess1"/>
+    <dgm:cxn modelId="{E0F699F7-A11D-4055-9474-912AFEB0263E}" srcId="{544589D0-79AD-420A-A89B-071F5FBA1E05}" destId="{3E8046C7-59A7-436F-981D-EDB18B12A202}" srcOrd="0" destOrd="0" parTransId="{AD1F285C-69BF-451E-B006-417D80411636}" sibTransId="{651F2E78-A489-4673-AD79-F9875A34A9F7}"/>
+    <dgm:cxn modelId="{20B09039-DAE2-46B4-B0B8-82B3146C6683}" srcId="{544589D0-79AD-420A-A89B-071F5FBA1E05}" destId="{D02528FC-A284-42D1-B70A-03CAC89CF150}" srcOrd="2" destOrd="0" parTransId="{66C27EE3-AA48-471B-86F3-4B11C6B53CED}" sibTransId="{02D7B1C0-0F9C-41EC-992A-0F044F8A0DEC}"/>
+    <dgm:cxn modelId="{17D7E6AF-3E45-498C-BF9C-A415D7DF4BC0}" type="presOf" srcId="{4D55FB25-3E3F-49EC-9871-7AE04F4EFE93}" destId="{92D87B5C-7B00-4219-B6E2-DDA880E4D715}" srcOrd="0" destOrd="0" presId="urn:microsoft.com/office/officeart/2005/8/layout/lProcess1"/>
+    <dgm:cxn modelId="{854AFA67-93B7-45A1-9311-4291368E1310}" srcId="{3E8046C7-59A7-436F-981D-EDB18B12A202}" destId="{B571659A-1767-47F2-8C7C-1035AC476B11}" srcOrd="1" destOrd="0" parTransId="{9D37CCA6-E625-4C8A-B9DF-C54F1CB07415}" sibTransId="{247A3781-2AC2-4C78-958E-14DCAD5B6D2F}"/>
+    <dgm:cxn modelId="{512D3C5A-385E-4006-9FE6-798580920FB4}" type="presOf" srcId="{8471FF05-BA4C-459D-89D8-5A33C6C4B74D}" destId="{FF982F86-D2FF-49F0-8A66-25C3652F8577}" srcOrd="0" destOrd="0" presId="urn:microsoft.com/office/officeart/2005/8/layout/lProcess1"/>
+    <dgm:cxn modelId="{687A1351-E6E9-40EF-9C79-C415FCF2E07B}" type="presOf" srcId="{247A3781-2AC2-4C78-958E-14DCAD5B6D2F}" destId="{8529474A-18FD-4648-9A66-EBCE03A5AF05}" srcOrd="0" destOrd="0" presId="urn:microsoft.com/office/officeart/2005/8/layout/lProcess1"/>
+    <dgm:cxn modelId="{296AEF92-2843-4A66-865C-3E7011C25F2A}" type="presOf" srcId="{4DCB2302-FF97-46AC-B306-13A89B1BEF07}" destId="{2BAD7BAC-92DB-44AF-9AF4-2AB3A7A0C5D3}" srcOrd="0" destOrd="0" presId="urn:microsoft.com/office/officeart/2005/8/layout/lProcess1"/>
+    <dgm:cxn modelId="{9B43527A-F644-4A2D-AD0F-18E4F5DCD203}" type="presOf" srcId="{5E034D5A-9660-4FA4-B37E-25CFFBEF7EBC}" destId="{07BE5471-A2C4-4757-B87E-1F52D1729F79}" srcOrd="0" destOrd="0" presId="urn:microsoft.com/office/officeart/2005/8/layout/lProcess1"/>
+    <dgm:cxn modelId="{11C0548C-3505-4DFD-A96D-B0F414453E79}" type="presOf" srcId="{544589D0-79AD-420A-A89B-071F5FBA1E05}" destId="{BAD63677-68EC-45C6-BD94-3C6A7B3287D5}" srcOrd="0" destOrd="0" presId="urn:microsoft.com/office/officeart/2005/8/layout/lProcess1"/>
     <dgm:cxn modelId="{2A274EBC-8774-4CB4-8835-5AFA3B263C4C}" type="presOf" srcId="{834FD7F7-B1E4-4BDD-BEE4-E53E20F5565C}" destId="{277967B0-6EDA-4C07-9068-D6203311B00D}" srcOrd="0" destOrd="0" presId="urn:microsoft.com/office/officeart/2005/8/layout/lProcess1"/>
-    <dgm:cxn modelId="{17D7E6AF-3E45-498C-BF9C-A415D7DF4BC0}" type="presOf" srcId="{4D55FB25-3E3F-49EC-9871-7AE04F4EFE93}" destId="{92D87B5C-7B00-4219-B6E2-DDA880E4D715}" srcOrd="0" destOrd="0" presId="urn:microsoft.com/office/officeart/2005/8/layout/lProcess1"/>
-    <dgm:cxn modelId="{20B09039-DAE2-46B4-B0B8-82B3146C6683}" srcId="{544589D0-79AD-420A-A89B-071F5FBA1E05}" destId="{D02528FC-A284-42D1-B70A-03CAC89CF150}" srcOrd="2" destOrd="0" parTransId="{66C27EE3-AA48-471B-86F3-4B11C6B53CED}" sibTransId="{02D7B1C0-0F9C-41EC-992A-0F044F8A0DEC}"/>
-    <dgm:cxn modelId="{B1AA2F0D-4518-45BD-A1E0-5943FE6C845D}" srcId="{8471FF05-BA4C-459D-89D8-5A33C6C4B74D}" destId="{4DCB2302-FF97-46AC-B306-13A89B1BEF07}" srcOrd="0" destOrd="0" parTransId="{10ABEF90-4FEC-4310-B31E-9E65089C8A98}" sibTransId="{50988FC4-9461-40F6-84A4-0CC453A269C0}"/>
-    <dgm:cxn modelId="{9B43527A-F644-4A2D-AD0F-18E4F5DCD203}" type="presOf" srcId="{5E034D5A-9660-4FA4-B37E-25CFFBEF7EBC}" destId="{07BE5471-A2C4-4757-B87E-1F52D1729F79}" srcOrd="0" destOrd="0" presId="urn:microsoft.com/office/officeart/2005/8/layout/lProcess1"/>
+    <dgm:cxn modelId="{ABCA9405-C9CF-4C77-8B21-1D92842C317D}" srcId="{544589D0-79AD-420A-A89B-071F5FBA1E05}" destId="{0E4F7DA9-5220-44E9-9ECC-F6603ECDBFC8}" srcOrd="3" destOrd="0" parTransId="{1F3D6621-5E3E-4C8E-81B6-E847C78109E7}" sibTransId="{C8E00B35-9735-43AB-86D7-ECE7F3F5818E}"/>
+    <dgm:cxn modelId="{03624074-8959-4D79-A2EA-1EACD252E83A}" type="presOf" srcId="{837B01C2-F9DB-4876-A66D-ABEA8621734B}" destId="{E793EE05-9110-498A-B035-F32B1AF963A5}" srcOrd="0" destOrd="0" presId="urn:microsoft.com/office/officeart/2005/8/layout/lProcess1"/>
+    <dgm:cxn modelId="{32758691-3DB9-4ACA-B348-BDDB29F7D38E}" srcId="{D02528FC-A284-42D1-B70A-03CAC89CF150}" destId="{5E034D5A-9660-4FA4-B37E-25CFFBEF7EBC}" srcOrd="1" destOrd="0" parTransId="{38F2945D-69C4-457A-9FA8-30A085FDB2C1}" sibTransId="{806E0F55-07CE-4D3E-AA14-F61A4466DAAA}"/>
     <dgm:cxn modelId="{D3EF0235-1326-4ECE-A9DA-1B3D3F92DB86}" type="presParOf" srcId="{BAD63677-68EC-45C6-BD94-3C6A7B3287D5}" destId="{563A7CAD-D840-44E6-BDCC-1D54404D21CD}" srcOrd="0" destOrd="0" presId="urn:microsoft.com/office/officeart/2005/8/layout/lProcess1"/>
     <dgm:cxn modelId="{2326F89E-CF22-4179-8F0C-4C36C2A46057}" type="presParOf" srcId="{563A7CAD-D840-44E6-BDCC-1D54404D21CD}" destId="{78B729F4-1371-4419-AA09-BA63795941F6}" srcOrd="0" destOrd="0" presId="urn:microsoft.com/office/officeart/2005/8/layout/lProcess1"/>
     <dgm:cxn modelId="{EC12B5AF-2BA1-4A43-AFD0-0C491DA6A47B}" type="presParOf" srcId="{563A7CAD-D840-44E6-BDCC-1D54404D21CD}" destId="{E793EE05-9110-498A-B035-F32B1AF963A5}" srcOrd="1" destOrd="0" presId="urn:microsoft.com/office/officeart/2005/8/layout/lProcess1"/>
@@ -11291,7 +11291,7 @@
           <a:p>
             <a:fld id="{FE5B4EDC-59C0-49C7-8ADA-5A781B329E02}" type="datetimeFigureOut">
               <a:rPr lang="ru-RU"/>
-              <a:t>18.10.2013</a:t>
+              <a:t>25.10.2013</a:t>
             </a:fld>
             <a:endParaRPr/>
           </a:p>
@@ -11456,7 +11456,7 @@
           <a:p>
             <a:fld id="{F2D8D46A-B586-417D-BFBD-8C8FE0AAF762}" type="datetimeFigureOut">
               <a:rPr lang="ru-RU"/>
-              <a:t>18.10.2013</a:t>
+              <a:t>25.10.2013</a:t>
             </a:fld>
             <a:endParaRPr/>
           </a:p>
@@ -12479,7 +12479,7 @@
           <a:p>
             <a:fld id="{F0DFD029-FB74-4578-B929-F66AA97659CA}" type="datetimeFigureOut">
               <a:rPr lang="ru-RU" noProof="0" smtClean="0"/>
-              <a:t>18.10.2013</a:t>
+              <a:t>25.10.2013</a:t>
             </a:fld>
             <a:endParaRPr lang="ru-RU" noProof="0" dirty="0"/>
           </a:p>
@@ -12684,7 +12684,7 @@
           <a:p>
             <a:fld id="{F0DFD029-FB74-4578-B929-F66AA97659CA}" type="datetimeFigureOut">
               <a:rPr lang="ru-RU" noProof="0" smtClean="0"/>
-              <a:t>18.10.2013</a:t>
+              <a:t>25.10.2013</a:t>
             </a:fld>
             <a:endParaRPr lang="ru-RU" noProof="0" dirty="0"/>
           </a:p>
@@ -12899,7 +12899,7 @@
           <a:p>
             <a:fld id="{F0DFD029-FB74-4578-B929-F66AA97659CA}" type="datetimeFigureOut">
               <a:rPr lang="ru-RU" noProof="0" smtClean="0"/>
-              <a:t>18.10.2013</a:t>
+              <a:t>25.10.2013</a:t>
             </a:fld>
             <a:endParaRPr lang="ru-RU" noProof="0" dirty="0"/>
           </a:p>
@@ -13104,7 +13104,7 @@
           <a:p>
             <a:fld id="{F0DFD029-FB74-4578-B929-F66AA97659CA}" type="datetimeFigureOut">
               <a:rPr lang="ru-RU" noProof="0" smtClean="0"/>
-              <a:t>18.10.2013</a:t>
+              <a:t>25.10.2013</a:t>
             </a:fld>
             <a:endParaRPr lang="ru-RU" noProof="0" dirty="0"/>
           </a:p>
@@ -13374,7 +13374,7 @@
           <a:p>
             <a:fld id="{F0DFD029-FB74-4578-B929-F66AA97659CA}" type="datetimeFigureOut">
               <a:rPr lang="ru-RU" noProof="0" smtClean="0"/>
-              <a:t>18.10.2013</a:t>
+              <a:t>25.10.2013</a:t>
             </a:fld>
             <a:endParaRPr lang="ru-RU" noProof="0" dirty="0"/>
           </a:p>
@@ -13859,7 +13859,7 @@
           <a:p>
             <a:fld id="{F0DFD029-FB74-4578-B929-F66AA97659CA}" type="datetimeFigureOut">
               <a:rPr lang="ru-RU" noProof="0" smtClean="0"/>
-              <a:t>18.10.2013</a:t>
+              <a:t>25.10.2013</a:t>
             </a:fld>
             <a:endParaRPr lang="ru-RU" noProof="0" dirty="0"/>
           </a:p>
@@ -14327,7 +14327,7 @@
           <a:p>
             <a:fld id="{F0DFD029-FB74-4578-B929-F66AA97659CA}" type="datetimeFigureOut">
               <a:rPr lang="ru-RU" noProof="0" smtClean="0"/>
-              <a:t>18.10.2013</a:t>
+              <a:t>25.10.2013</a:t>
             </a:fld>
             <a:endParaRPr lang="ru-RU" noProof="0" dirty="0"/>
           </a:p>
@@ -14464,7 +14464,7 @@
           <a:p>
             <a:fld id="{F0DFD029-FB74-4578-B929-F66AA97659CA}" type="datetimeFigureOut">
               <a:rPr lang="ru-RU" noProof="0" smtClean="0"/>
-              <a:t>18.10.2013</a:t>
+              <a:t>25.10.2013</a:t>
             </a:fld>
             <a:endParaRPr lang="ru-RU" noProof="0" dirty="0"/>
           </a:p>
@@ -14578,7 +14578,7 @@
           <a:p>
             <a:fld id="{F0DFD029-FB74-4578-B929-F66AA97659CA}" type="datetimeFigureOut">
               <a:rPr lang="ru-RU" noProof="0" smtClean="0"/>
-              <a:t>18.10.2013</a:t>
+              <a:t>25.10.2013</a:t>
             </a:fld>
             <a:endParaRPr lang="ru-RU" noProof="0" dirty="0"/>
           </a:p>
@@ -14884,7 +14884,7 @@
           <a:p>
             <a:fld id="{F0DFD029-FB74-4578-B929-F66AA97659CA}" type="datetimeFigureOut">
               <a:rPr lang="ru-RU" noProof="0" smtClean="0"/>
-              <a:t>18.10.2013</a:t>
+              <a:t>25.10.2013</a:t>
             </a:fld>
             <a:endParaRPr lang="ru-RU" noProof="0" dirty="0"/>
           </a:p>
@@ -15179,7 +15179,7 @@
           <a:p>
             <a:fld id="{F0DFD029-FB74-4578-B929-F66AA97659CA}" type="datetimeFigureOut">
               <a:rPr lang="ru-RU" noProof="0" smtClean="0"/>
-              <a:t>18.10.2013</a:t>
+              <a:t>25.10.2013</a:t>
             </a:fld>
             <a:endParaRPr lang="ru-RU" noProof="0" dirty="0"/>
           </a:p>
@@ -15809,7 +15809,7 @@
             <a:fld id="{F0DFD029-FB74-4578-B929-F66AA97659CA}" type="datetimeFigureOut">
               <a:rPr lang="ru-RU" noProof="0" smtClean="0"/>
               <a:pPr/>
-              <a:t>18.10.2013</a:t>
+              <a:t>25.10.2013</a:t>
             </a:fld>
             <a:endParaRPr lang="ru-RU" noProof="0" dirty="0"/>
           </a:p>
@@ -19544,7 +19544,7 @@
         <p:spPr/>
         <p:txBody>
           <a:bodyPr>
-            <a:normAutofit fontScale="92500" lnSpcReduction="10000"/>
+            <a:normAutofit fontScale="85000" lnSpcReduction="20000"/>
           </a:bodyPr>
           <a:lstStyle/>
           <a:p>
@@ -19658,7 +19658,39 @@
               <a:rPr lang="en-US" dirty="0">
                 <a:hlinkClick r:id="rId9"/>
               </a:rPr>
-              <a:t>https://www.nuget.org/packages/Zen.Core.Mongo/</a:t>
+              <a:t>https://www.nuget.org/packages/Zen.Core.Mongo</a:t>
+            </a:r>
+            <a:r>
+              <a:rPr lang="en-US" dirty="0" smtClean="0">
+                <a:hlinkClick r:id="rId9"/>
+              </a:rPr>
+              <a:t>/</a:t>
+            </a:r>
+            <a:endParaRPr lang="en-US" dirty="0" smtClean="0"/>
+          </a:p>
+          <a:p>
+            <a:pPr lvl="1"/>
+            <a:r>
+              <a:rPr lang="en-US" dirty="0">
+                <a:hlinkClick r:id="rId10"/>
+              </a:rPr>
+              <a:t>https://www.nuget.org/packages/Zen.Core.NHibernate/</a:t>
+            </a:r>
+            <a:endParaRPr lang="ru-RU" dirty="0"/>
+          </a:p>
+          <a:p>
+            <a:pPr lvl="1"/>
+            <a:r>
+              <a:rPr lang="en-US" dirty="0">
+                <a:hlinkClick r:id="rId11"/>
+              </a:rPr>
+              <a:t>https://www.nuget.org/packages/Zen.Core.NHibernate.SQLite</a:t>
+            </a:r>
+            <a:r>
+              <a:rPr lang="en-US" dirty="0" smtClean="0">
+                <a:hlinkClick r:id="rId11"/>
+              </a:rPr>
+              <a:t>/</a:t>
             </a:r>
             <a:endParaRPr lang="ru-RU" dirty="0"/>
           </a:p>
